--- a/Documentatie/Prototype.pptx
+++ b/Documentatie/Prototype.pptx
@@ -2,16 +2,16 @@
 <file path=ppt/presentation.xml><?xml version="1.0" encoding="utf-8"?>
 <p:presentation xmlns:a="http://schemas.openxmlformats.org/drawingml/2006/main" xmlns:r="http://schemas.openxmlformats.org/officeDocument/2006/relationships" xmlns:p="http://schemas.openxmlformats.org/presentationml/2006/main" saveSubsetFonts="1">
   <p:sldMasterIdLst>
-    <p:sldMasterId id="2147483648" r:id="rId1"/>
+    <p:sldMasterId id="2147483648" r:id="rId2"/>
   </p:sldMasterIdLst>
   <p:notesMasterIdLst>
-    <p:notesMasterId r:id="rId3"/>
+    <p:notesMasterId r:id="rId4"/>
   </p:notesMasterIdLst>
   <p:handoutMasterIdLst>
-    <p:handoutMasterId r:id="rId4"/>
+    <p:handoutMasterId r:id="rId5"/>
   </p:handoutMasterIdLst>
   <p:sldIdLst>
-    <p:sldId id="256" r:id="rId2"/>
+    <p:sldId id="256" r:id="rId3"/>
   </p:sldIdLst>
   <p:sldSz cx="12192000" cy="6858000"/>
   <p:notesSz cx="6858000" cy="9144000"/>
@@ -110,6 +110,11 @@
       </a:defRPr>
     </a:lvl9pPr>
   </p:defaultTextStyle>
+  <p:extLst>
+    <p:ext uri="{EFAFB233-063F-42B5-8137-9DF3F51BA10A}">
+      <p15:sldGuideLst xmlns:p15="http://schemas.microsoft.com/office/powerpoint/2012/main"/>
+    </p:ext>
+  </p:extLst>
 </p:presentation>
 </file>
 
@@ -3595,6 +3600,340 @@
           </a:p>
         </p:txBody>
       </p:sp>
+      <p:grpSp>
+        <p:nvGrpSpPr>
+          <p:cNvPr id="3" name="TabGroup"/>
+          <p:cNvGrpSpPr/>
+          <p:nvPr>
+            <p:custDataLst>
+              <p:custData r:id="rId1"/>
+            </p:custDataLst>
+          </p:nvPr>
+        </p:nvGrpSpPr>
+        <p:grpSpPr>
+          <a:xfrm>
+            <a:off x="1932122" y="1539264"/>
+            <a:ext cx="7495601" cy="3071647"/>
+            <a:chOff x="2742323" y="2600318"/>
+            <a:chExt cx="3513043" cy="2017402"/>
+          </a:xfrm>
+        </p:grpSpPr>
+        <p:sp>
+          <p:nvSpPr>
+            <p:cNvPr id="5" name="Container"/>
+            <p:cNvSpPr>
+              <a:spLocks/>
+            </p:cNvSpPr>
+            <p:nvPr/>
+          </p:nvSpPr>
+          <p:spPr>
+            <a:xfrm>
+              <a:off x="2742323" y="2762216"/>
+              <a:ext cx="3513043" cy="1855504"/>
+            </a:xfrm>
+            <a:prstGeom prst="rect">
+              <a:avLst/>
+            </a:prstGeom>
+            <a:solidFill>
+              <a:sysClr val="window" lastClr="FFFFFF"/>
+            </a:solidFill>
+            <a:ln w="3175" cap="flat" cmpd="sng" algn="ctr">
+              <a:solidFill>
+                <a:srgbClr val="FFFFFF">
+                  <a:lumMod val="50000"/>
+                </a:srgbClr>
+              </a:solidFill>
+              <a:prstDash val="solid"/>
+            </a:ln>
+            <a:effectLst/>
+          </p:spPr>
+          <p:txBody>
+            <a:bodyPr rot="0" spcFirstLastPara="0" vertOverflow="overflow" horzOverflow="overflow" vert="horz" wrap="square" lIns="45720" tIns="45720" rIns="91440" bIns="45720" numCol="1" spcCol="0" rtlCol="0" fromWordArt="0" anchor="ctr" anchorCtr="0" forceAA="0" compatLnSpc="1">
+              <a:prstTxWarp prst="textNoShape">
+                <a:avLst/>
+              </a:prstTxWarp>
+              <a:noAutofit/>
+            </a:bodyPr>
+            <a:lstStyle/>
+            <a:p>
+              <a:pPr marL="0" marR="0" indent="0" algn="ctr" defTabSz="914400" eaLnBrk="1" fontAlgn="auto" latinLnBrk="0" hangingPunct="1">
+                <a:lnSpc>
+                  <a:spcPct val="100000"/>
+                </a:lnSpc>
+                <a:spcBef>
+                  <a:spcPts val="0"/>
+                </a:spcBef>
+                <a:spcAft>
+                  <a:spcPts val="0"/>
+                </a:spcAft>
+                <a:buClrTx/>
+                <a:buSzTx/>
+                <a:buFontTx/>
+                <a:buNone/>
+                <a:tabLst/>
+              </a:pPr>
+              <a:endParaRPr kumimoji="0" lang="en-US" sz="800" b="0" i="0" u="none" strike="noStrike" kern="0" cap="none" spc="0" normalizeH="0" baseline="0" noProof="0" dirty="0" smtClean="0">
+                <a:ln>
+                  <a:noFill/>
+                </a:ln>
+                <a:solidFill>
+                  <a:srgbClr val="000000">
+                    <a:lumMod val="75000"/>
+                    <a:lumOff val="25000"/>
+                  </a:srgbClr>
+                </a:solidFill>
+                <a:effectLst/>
+                <a:uLnTx/>
+                <a:uFillTx/>
+                <a:latin typeface="Segoe UI"/>
+                <a:ea typeface="+mn-ea"/>
+                <a:cs typeface="+mn-cs"/>
+              </a:endParaRPr>
+            </a:p>
+          </p:txBody>
+        </p:sp>
+        <p:sp>
+          <p:nvSpPr>
+            <p:cNvPr id="6" name="Tab3"/>
+            <p:cNvSpPr txBox="1">
+              <a:spLocks/>
+            </p:cNvSpPr>
+            <p:nvPr/>
+          </p:nvSpPr>
+          <p:spPr>
+            <a:xfrm>
+              <a:off x="3190500" y="2624087"/>
+              <a:ext cx="378318" cy="138129"/>
+            </a:xfrm>
+            <a:prstGeom prst="rect">
+              <a:avLst/>
+            </a:prstGeom>
+            <a:solidFill>
+              <a:srgbClr val="FFFFFF">
+                <a:lumMod val="85000"/>
+              </a:srgbClr>
+            </a:solidFill>
+            <a:ln w="3175">
+              <a:solidFill>
+                <a:srgbClr val="FFFFFF">
+                  <a:lumMod val="50000"/>
+                </a:srgbClr>
+              </a:solidFill>
+            </a:ln>
+          </p:spPr>
+          <p:txBody>
+            <a:bodyPr vertOverflow="ellipsis" lIns="0" tIns="9144" rIns="45720" rtlCol="0">
+              <a:noAutofit/>
+            </a:bodyPr>
+            <a:lstStyle/>
+            <a:p>
+              <a:pPr algn="ctr"/>
+              <a:r>
+                <a:rPr lang="en-US" sz="1200" dirty="0" smtClean="0">
+                  <a:latin typeface="Segoe UI" pitchFamily="34" charset="0"/>
+                  <a:ea typeface="Segoe UI" pitchFamily="34" charset="0"/>
+                  <a:cs typeface="Segoe UI" pitchFamily="34" charset="0"/>
+                </a:rPr>
+                <a:t>tab2</a:t>
+              </a:r>
+              <a:endParaRPr lang="en-US" sz="1200" dirty="0">
+                <a:latin typeface="Segoe UI" pitchFamily="34" charset="0"/>
+                <a:ea typeface="Segoe UI" pitchFamily="34" charset="0"/>
+                <a:cs typeface="Segoe UI" pitchFamily="34" charset="0"/>
+              </a:endParaRPr>
+            </a:p>
+          </p:txBody>
+        </p:sp>
+        <p:sp>
+          <p:nvSpPr>
+            <p:cNvPr id="7" name="Tab2"/>
+            <p:cNvSpPr txBox="1">
+              <a:spLocks/>
+            </p:cNvSpPr>
+            <p:nvPr/>
+          </p:nvSpPr>
+          <p:spPr>
+            <a:xfrm>
+              <a:off x="3568818" y="2624087"/>
+              <a:ext cx="378318" cy="138129"/>
+            </a:xfrm>
+            <a:prstGeom prst="rect">
+              <a:avLst/>
+            </a:prstGeom>
+            <a:solidFill>
+              <a:srgbClr val="FFFFFF">
+                <a:lumMod val="85000"/>
+              </a:srgbClr>
+            </a:solidFill>
+            <a:ln w="3175">
+              <a:solidFill>
+                <a:srgbClr val="FFFFFF">
+                  <a:lumMod val="50000"/>
+                </a:srgbClr>
+              </a:solidFill>
+            </a:ln>
+          </p:spPr>
+          <p:txBody>
+            <a:bodyPr vertOverflow="ellipsis" lIns="45720" tIns="9144" rIns="45720" rtlCol="0">
+              <a:noAutofit/>
+            </a:bodyPr>
+            <a:lstStyle/>
+            <a:p>
+              <a:pPr algn="ctr"/>
+              <a:r>
+                <a:rPr lang="en-US" sz="1200" dirty="0" smtClean="0">
+                  <a:latin typeface="Segoe UI" pitchFamily="34" charset="0"/>
+                  <a:ea typeface="Segoe UI" pitchFamily="34" charset="0"/>
+                  <a:cs typeface="Segoe UI" pitchFamily="34" charset="0"/>
+                </a:rPr>
+                <a:t>tab3</a:t>
+              </a:r>
+              <a:endParaRPr lang="en-US" sz="1200" dirty="0">
+                <a:latin typeface="Segoe UI" pitchFamily="34" charset="0"/>
+                <a:ea typeface="Segoe UI" pitchFamily="34" charset="0"/>
+                <a:cs typeface="Segoe UI" pitchFamily="34" charset="0"/>
+              </a:endParaRPr>
+            </a:p>
+          </p:txBody>
+        </p:sp>
+        <p:grpSp>
+          <p:nvGrpSpPr>
+            <p:cNvPr id="8" name="Group 7"/>
+            <p:cNvGrpSpPr/>
+            <p:nvPr/>
+          </p:nvGrpSpPr>
+          <p:grpSpPr>
+            <a:xfrm>
+              <a:off x="2768457" y="2600318"/>
+              <a:ext cx="422048" cy="161891"/>
+              <a:chOff x="3197668" y="2698418"/>
+              <a:chExt cx="273174" cy="138129"/>
+            </a:xfrm>
+          </p:grpSpPr>
+          <p:sp>
+            <p:nvSpPr>
+              <p:cNvPr id="10" name="ActiveTab"/>
+              <p:cNvSpPr txBox="1">
+                <a:spLocks/>
+              </p:cNvSpPr>
+              <p:nvPr/>
+            </p:nvSpPr>
+            <p:spPr>
+              <a:xfrm>
+                <a:off x="3197668" y="2698418"/>
+                <a:ext cx="273174" cy="138129"/>
+              </a:xfrm>
+              <a:prstGeom prst="rect">
+                <a:avLst/>
+              </a:prstGeom>
+              <a:solidFill>
+                <a:srgbClr val="FFFFFF"/>
+              </a:solidFill>
+              <a:ln w="3175">
+                <a:solidFill>
+                  <a:srgbClr val="FFFFFF">
+                    <a:lumMod val="50000"/>
+                  </a:srgbClr>
+                </a:solidFill>
+              </a:ln>
+            </p:spPr>
+            <p:txBody>
+              <a:bodyPr vertOverflow="ellipsis" lIns="0" tIns="18288" rIns="45720" rtlCol="0">
+                <a:noAutofit/>
+              </a:bodyPr>
+              <a:lstStyle/>
+              <a:p>
+                <a:pPr algn="ctr"/>
+                <a:r>
+                  <a:rPr lang="en-US" sz="1200" dirty="0" smtClean="0">
+                    <a:latin typeface="Segoe UI" pitchFamily="34" charset="0"/>
+                    <a:ea typeface="Segoe UI" pitchFamily="34" charset="0"/>
+                    <a:cs typeface="Segoe UI" pitchFamily="34" charset="0"/>
+                  </a:rPr>
+                  <a:t>tab1</a:t>
+                </a:r>
+                <a:endParaRPr lang="en-US" sz="1200" dirty="0">
+                  <a:latin typeface="Segoe UI" pitchFamily="34" charset="0"/>
+                  <a:ea typeface="Segoe UI" pitchFamily="34" charset="0"/>
+                  <a:cs typeface="Segoe UI" pitchFamily="34" charset="0"/>
+                </a:endParaRPr>
+              </a:p>
+            </p:txBody>
+          </p:sp>
+          <p:sp>
+            <p:nvSpPr>
+              <p:cNvPr id="11" name="TabLine"/>
+              <p:cNvSpPr>
+                <a:spLocks/>
+              </p:cNvSpPr>
+              <p:nvPr/>
+            </p:nvSpPr>
+            <p:spPr>
+              <a:xfrm>
+                <a:off x="3200594" y="2836547"/>
+                <a:ext cx="267320" cy="0"/>
+              </a:xfrm>
+              <a:prstGeom prst="rect">
+                <a:avLst/>
+              </a:prstGeom>
+              <a:solidFill>
+                <a:sysClr val="window" lastClr="FFFFFF"/>
+              </a:solidFill>
+              <a:ln w="12700" cap="flat" cmpd="sng" algn="ctr">
+                <a:solidFill>
+                  <a:srgbClr val="FFFFFF"/>
+                </a:solidFill>
+                <a:prstDash val="solid"/>
+              </a:ln>
+              <a:effectLst/>
+            </p:spPr>
+            <p:txBody>
+              <a:bodyPr rot="0" spcFirstLastPara="0" vertOverflow="overflow" horzOverflow="overflow" vert="horz" wrap="square" lIns="45720" tIns="45720" rIns="91440" bIns="45720" numCol="1" spcCol="0" rtlCol="0" fromWordArt="0" anchor="ctr" anchorCtr="0" forceAA="0" compatLnSpc="1">
+                <a:prstTxWarp prst="textNoShape">
+                  <a:avLst/>
+                </a:prstTxWarp>
+                <a:noAutofit/>
+              </a:bodyPr>
+              <a:lstStyle/>
+              <a:p>
+                <a:pPr marL="0" marR="0" indent="0" algn="ctr" defTabSz="914400" eaLnBrk="1" fontAlgn="auto" latinLnBrk="0" hangingPunct="1">
+                  <a:lnSpc>
+                    <a:spcPct val="100000"/>
+                  </a:lnSpc>
+                  <a:spcBef>
+                    <a:spcPts val="0"/>
+                  </a:spcBef>
+                  <a:spcAft>
+                    <a:spcPts val="0"/>
+                  </a:spcAft>
+                  <a:buClrTx/>
+                  <a:buSzTx/>
+                  <a:buFontTx/>
+                  <a:buNone/>
+                  <a:tabLst/>
+                </a:pPr>
+                <a:endParaRPr kumimoji="0" lang="en-US" sz="800" b="0" i="0" u="none" strike="noStrike" kern="0" cap="none" spc="0" normalizeH="0" baseline="0" noProof="0" dirty="0" smtClean="0">
+                  <a:ln>
+                    <a:noFill/>
+                  </a:ln>
+                  <a:solidFill>
+                    <a:srgbClr val="000000">
+                      <a:lumMod val="75000"/>
+                      <a:lumOff val="25000"/>
+                    </a:srgbClr>
+                  </a:solidFill>
+                  <a:effectLst/>
+                  <a:uLnTx/>
+                  <a:uFillTx/>
+                  <a:latin typeface="Segoe UI"/>
+                  <a:ea typeface="+mn-ea"/>
+                  <a:cs typeface="+mn-cs"/>
+                </a:endParaRPr>
+              </a:p>
+            </p:txBody>
+          </p:sp>
+        </p:grpSp>
+      </p:grpSp>
     </p:spTree>
     <p:extLst>
       <p:ext uri="{BB962C8B-B14F-4D97-AF65-F5344CB8AC3E}">
@@ -3605,6 +3944,13 @@
   <p:clrMapOvr>
     <a:masterClrMapping/>
   </p:clrMapOvr>
+  <p:timing>
+    <p:tnLst>
+      <p:par>
+        <p:cTn id="1" dur="indefinite" restart="never" nodeType="tmRoot"/>
+      </p:par>
+    </p:tnLst>
+  </p:timing>
 </p:sld>
 </file>
 
@@ -4389,4 +4735,18 @@
     </a:ext>
   </a:extLst>
 </a:theme>
+</file>
+
+<file path=customXml/item1.xml><?xml version="1.0" encoding="utf-8"?>
+<Control xmlns="http://schemas.microsoft.com/VisualStudio/2011/storyboarding/control">
+  <Id Name="System.Storyboarding.Common.TabGroup" Revision="1" Stencil="System.Storyboarding.Common" StencilVersion="0.1"/>
+</Control>
+</file>
+
+<file path=customXml/itemProps1.xml><?xml version="1.0" encoding="utf-8"?>
+<ds:datastoreItem xmlns:ds="http://schemas.openxmlformats.org/officeDocument/2006/customXml" ds:itemID="{CE4401C0-AE17-436D-82B5-E0D1BE071085}">
+  <ds:schemaRefs>
+    <ds:schemaRef ds:uri="http://schemas.microsoft.com/VisualStudio/2011/storyboarding/control"/>
+  </ds:schemaRefs>
+</ds:datastoreItem>
 </file>